--- a/presentation/Presentation-OOP-Team26.pptx
+++ b/presentation/Presentation-OOP-Team26.pptx
@@ -20863,8 +20863,8 @@
         </p:blipFill>
         <p:spPr>
           <a:xfrm>
-            <a:off x="0" y="1143126"/>
-            <a:ext cx="9143982" cy="4000374"/>
+            <a:off x="1" y="1143126"/>
+            <a:ext cx="9192490" cy="4000374"/>
           </a:xfrm>
           <a:prstGeom prst="rect">
             <a:avLst/>
@@ -22889,8 +22889,8 @@
         </p:blipFill>
         <p:spPr>
           <a:xfrm>
-            <a:off x="0" y="1272774"/>
-            <a:ext cx="9143981" cy="3774570"/>
+            <a:off x="0" y="1080655"/>
+            <a:ext cx="9143981" cy="4062845"/>
           </a:xfrm>
           <a:prstGeom prst="rect">
             <a:avLst/>

--- a/presentation/Presentation-OOP-Team26.pptx
+++ b/presentation/Presentation-OOP-Team26.pptx
@@ -5,7 +5,7 @@
     <p:sldMasterId id="2147483676" r:id="rId1"/>
   </p:sldMasterIdLst>
   <p:notesMasterIdLst>
-    <p:notesMasterId r:id="rId14"/>
+    <p:notesMasterId r:id="rId15"/>
   </p:notesMasterIdLst>
   <p:sldIdLst>
     <p:sldId id="256" r:id="rId2"/>
@@ -17,44 +17,45 @@
     <p:sldId id="312" r:id="rId8"/>
     <p:sldId id="314" r:id="rId9"/>
     <p:sldId id="263" r:id="rId10"/>
-    <p:sldId id="315" r:id="rId11"/>
-    <p:sldId id="318" r:id="rId12"/>
-    <p:sldId id="319" r:id="rId13"/>
+    <p:sldId id="320" r:id="rId11"/>
+    <p:sldId id="315" r:id="rId12"/>
+    <p:sldId id="318" r:id="rId13"/>
+    <p:sldId id="319" r:id="rId14"/>
   </p:sldIdLst>
   <p:sldSz cx="9144000" cy="5143500" type="screen16x9"/>
   <p:notesSz cx="6858000" cy="9144000"/>
   <p:embeddedFontLst>
     <p:embeddedFont>
       <p:font typeface="Anaheim" panose="020B0604020202020204" charset="0"/>
-      <p:regular r:id="rId15"/>
+      <p:regular r:id="rId16"/>
     </p:embeddedFont>
     <p:embeddedFont>
       <p:font typeface="Bebas Neue" panose="020B0606020202050201" pitchFamily="34" charset="0"/>
-      <p:regular r:id="rId16"/>
+      <p:regular r:id="rId17"/>
     </p:embeddedFont>
     <p:embeddedFont>
       <p:font typeface="Comfortaa" panose="020B0604020202020204" charset="0"/>
-      <p:regular r:id="rId17"/>
-      <p:bold r:id="rId18"/>
+      <p:regular r:id="rId18"/>
+      <p:bold r:id="rId19"/>
     </p:embeddedFont>
     <p:embeddedFont>
       <p:font typeface="Fira Code" panose="020B0809050000020004" pitchFamily="49" charset="0"/>
-      <p:regular r:id="rId19"/>
-      <p:bold r:id="rId20"/>
+      <p:regular r:id="rId20"/>
+      <p:bold r:id="rId21"/>
     </p:embeddedFont>
     <p:embeddedFont>
       <p:font typeface="Source Code Pro" panose="020B0509030403020204" pitchFamily="49" charset="0"/>
-      <p:regular r:id="rId21"/>
-      <p:bold r:id="rId22"/>
-      <p:italic r:id="rId23"/>
-      <p:boldItalic r:id="rId24"/>
+      <p:regular r:id="rId22"/>
+      <p:bold r:id="rId23"/>
+      <p:italic r:id="rId24"/>
+      <p:boldItalic r:id="rId25"/>
     </p:embeddedFont>
     <p:embeddedFont>
       <p:font typeface="Source Code Pro Medium" panose="020B0509030403020204" pitchFamily="49" charset="0"/>
-      <p:regular r:id="rId25"/>
-      <p:bold r:id="rId26"/>
-      <p:italic r:id="rId27"/>
-      <p:boldItalic r:id="rId28"/>
+      <p:regular r:id="rId26"/>
+      <p:bold r:id="rId27"/>
+      <p:italic r:id="rId28"/>
+      <p:boldItalic r:id="rId29"/>
     </p:embeddedFont>
   </p:embeddedFontLst>
   <p:defaultTextStyle>
@@ -952,6 +953,110 @@
         </p:txBody>
       </p:sp>
     </p:spTree>
+  </p:cSld>
+  <p:clrMapOvr>
+    <a:masterClrMapping/>
+  </p:clrMapOvr>
+</p:notes>
+</file>
+
+<file path=ppt/notesSlides/notesSlide11.xml><?xml version="1.0" encoding="utf-8"?>
+<p:notes xmlns:a="http://schemas.openxmlformats.org/drawingml/2006/main" xmlns:r="http://schemas.openxmlformats.org/officeDocument/2006/relationships" xmlns:p="http://schemas.openxmlformats.org/presentationml/2006/main" showMasterSp="0" showMasterPhAnim="0">
+  <p:cSld>
+    <p:spTree>
+      <p:nvGrpSpPr>
+        <p:cNvPr id="1" name="Shape 493"/>
+        <p:cNvGrpSpPr/>
+        <p:nvPr/>
+      </p:nvGrpSpPr>
+      <p:grpSpPr>
+        <a:xfrm>
+          <a:off x="0" y="0"/>
+          <a:ext cx="0" cy="0"/>
+          <a:chOff x="0" y="0"/>
+          <a:chExt cx="0" cy="0"/>
+        </a:xfrm>
+      </p:grpSpPr>
+      <p:sp>
+        <p:nvSpPr>
+          <p:cNvPr id="494" name="Google Shape;494;g54dda1946d_6_332:notes"/>
+          <p:cNvSpPr>
+            <a:spLocks noGrp="1" noRot="1" noChangeAspect="1"/>
+          </p:cNvSpPr>
+          <p:nvPr>
+            <p:ph type="sldImg" idx="2"/>
+          </p:nvPr>
+        </p:nvSpPr>
+        <p:spPr>
+          <a:xfrm>
+            <a:off x="381000" y="685800"/>
+            <a:ext cx="6096000" cy="3429000"/>
+          </a:xfrm>
+          <a:custGeom>
+            <a:avLst/>
+            <a:gdLst/>
+            <a:ahLst/>
+            <a:cxnLst/>
+            <a:rect l="l" t="t" r="r" b="b"/>
+            <a:pathLst>
+              <a:path w="120000" h="120000" extrusionOk="0">
+                <a:moveTo>
+                  <a:pt x="0" y="0"/>
+                </a:moveTo>
+                <a:lnTo>
+                  <a:pt x="120000" y="0"/>
+                </a:lnTo>
+                <a:lnTo>
+                  <a:pt x="120000" y="120000"/>
+                </a:lnTo>
+                <a:lnTo>
+                  <a:pt x="0" y="120000"/>
+                </a:lnTo>
+                <a:close/>
+              </a:path>
+            </a:pathLst>
+          </a:custGeom>
+        </p:spPr>
+      </p:sp>
+      <p:sp>
+        <p:nvSpPr>
+          <p:cNvPr id="495" name="Google Shape;495;g54dda1946d_6_332:notes"/>
+          <p:cNvSpPr txBox="1">
+            <a:spLocks noGrp="1"/>
+          </p:cNvSpPr>
+          <p:nvPr>
+            <p:ph type="body" idx="1"/>
+          </p:nvPr>
+        </p:nvSpPr>
+        <p:spPr>
+          <a:xfrm>
+            <a:off x="685800" y="4343400"/>
+            <a:ext cx="5486400" cy="4114800"/>
+          </a:xfrm>
+          <a:prstGeom prst="rect">
+            <a:avLst/>
+          </a:prstGeom>
+        </p:spPr>
+        <p:txBody>
+          <a:bodyPr spcFirstLastPara="1" wrap="square" lIns="91425" tIns="91425" rIns="91425" bIns="91425" anchor="t" anchorCtr="0">
+            <a:noAutofit/>
+          </a:bodyPr>
+          <a:lstStyle/>
+          <a:p>
+            <a:pPr marL="0" lvl="0" indent="0" algn="l" rtl="0">
+              <a:spcBef>
+                <a:spcPts val="0"/>
+              </a:spcBef>
+              <a:spcAft>
+                <a:spcPts val="0"/>
+              </a:spcAft>
+              <a:buNone/>
+            </a:pPr>
+            <a:endParaRPr/>
+          </a:p>
+        </p:txBody>
+      </p:sp>
+    </p:spTree>
     <p:extLst>
       <p:ext uri="{BB962C8B-B14F-4D97-AF65-F5344CB8AC3E}">
         <p14:creationId xmlns:p14="http://schemas.microsoft.com/office/powerpoint/2010/main" val="649362318"/>
@@ -964,7 +1069,7 @@
 </p:notes>
 </file>
 
-<file path=ppt/notesSlides/notesSlide11.xml><?xml version="1.0" encoding="utf-8"?>
+<file path=ppt/notesSlides/notesSlide12.xml><?xml version="1.0" encoding="utf-8"?>
 <p:notes xmlns:a="http://schemas.openxmlformats.org/drawingml/2006/main" xmlns:r="http://schemas.openxmlformats.org/officeDocument/2006/relationships" xmlns:p="http://schemas.openxmlformats.org/presentationml/2006/main" showMasterSp="0" showMasterPhAnim="0">
   <p:cSld>
     <p:spTree>
@@ -1073,7 +1178,7 @@
 </p:notes>
 </file>
 
-<file path=ppt/notesSlides/notesSlide12.xml><?xml version="1.0" encoding="utf-8"?>
+<file path=ppt/notesSlides/notesSlide13.xml><?xml version="1.0" encoding="utf-8"?>
 <p:notes xmlns:a="http://schemas.openxmlformats.org/drawingml/2006/main" xmlns:r="http://schemas.openxmlformats.org/officeDocument/2006/relationships" xmlns:p="http://schemas.openxmlformats.org/presentationml/2006/main" showMasterSp="0" showMasterPhAnim="0">
   <p:cSld>
     <p:spTree>
@@ -10818,6 +10923,1836 @@
           <a:chExt cx="0" cy="0"/>
         </a:xfrm>
       </p:grpSpPr>
+      <p:grpSp>
+        <p:nvGrpSpPr>
+          <p:cNvPr id="504" name="Google Shape;504;p38"/>
+          <p:cNvGrpSpPr/>
+          <p:nvPr/>
+        </p:nvGrpSpPr>
+        <p:grpSpPr>
+          <a:xfrm>
+            <a:off x="0" y="4256175"/>
+            <a:ext cx="2536147" cy="887325"/>
+            <a:chOff x="880714" y="3731738"/>
+            <a:chExt cx="2536147" cy="887325"/>
+          </a:xfrm>
+        </p:grpSpPr>
+        <p:sp>
+          <p:nvSpPr>
+            <p:cNvPr id="505" name="Google Shape;505;p38"/>
+            <p:cNvSpPr/>
+            <p:nvPr/>
+          </p:nvSpPr>
+          <p:spPr>
+            <a:xfrm>
+              <a:off x="880714" y="3748200"/>
+              <a:ext cx="327600" cy="147900"/>
+            </a:xfrm>
+            <a:prstGeom prst="roundRect">
+              <a:avLst>
+                <a:gd name="adj" fmla="val 50000"/>
+              </a:avLst>
+            </a:prstGeom>
+            <a:solidFill>
+              <a:schemeClr val="dk2"/>
+            </a:solidFill>
+            <a:ln>
+              <a:noFill/>
+            </a:ln>
+          </p:spPr>
+          <p:txBody>
+            <a:bodyPr spcFirstLastPara="1" wrap="square" lIns="91425" tIns="91425" rIns="91425" bIns="91425" anchor="ctr" anchorCtr="0">
+              <a:noAutofit/>
+            </a:bodyPr>
+            <a:lstStyle/>
+            <a:p>
+              <a:pPr marL="0" lvl="0" indent="0" algn="l" rtl="0">
+                <a:spcBef>
+                  <a:spcPts val="0"/>
+                </a:spcBef>
+                <a:spcAft>
+                  <a:spcPts val="0"/>
+                </a:spcAft>
+                <a:buNone/>
+              </a:pPr>
+              <a:endParaRPr/>
+            </a:p>
+          </p:txBody>
+        </p:sp>
+        <p:sp>
+          <p:nvSpPr>
+            <p:cNvPr id="506" name="Google Shape;506;p38"/>
+            <p:cNvSpPr/>
+            <p:nvPr/>
+          </p:nvSpPr>
+          <p:spPr>
+            <a:xfrm>
+              <a:off x="880714" y="3987275"/>
+              <a:ext cx="327600" cy="147900"/>
+            </a:xfrm>
+            <a:prstGeom prst="roundRect">
+              <a:avLst>
+                <a:gd name="adj" fmla="val 50000"/>
+              </a:avLst>
+            </a:prstGeom>
+            <a:solidFill>
+              <a:schemeClr val="dk2"/>
+            </a:solidFill>
+            <a:ln>
+              <a:noFill/>
+            </a:ln>
+          </p:spPr>
+          <p:txBody>
+            <a:bodyPr spcFirstLastPara="1" wrap="square" lIns="91425" tIns="91425" rIns="91425" bIns="91425" anchor="ctr" anchorCtr="0">
+              <a:noAutofit/>
+            </a:bodyPr>
+            <a:lstStyle/>
+            <a:p>
+              <a:pPr marL="0" lvl="0" indent="0" algn="l" rtl="0">
+                <a:spcBef>
+                  <a:spcPts val="0"/>
+                </a:spcBef>
+                <a:spcAft>
+                  <a:spcPts val="0"/>
+                </a:spcAft>
+                <a:buNone/>
+              </a:pPr>
+              <a:endParaRPr/>
+            </a:p>
+          </p:txBody>
+        </p:sp>
+        <p:sp>
+          <p:nvSpPr>
+            <p:cNvPr id="507" name="Google Shape;507;p38"/>
+            <p:cNvSpPr/>
+            <p:nvPr/>
+          </p:nvSpPr>
+          <p:spPr>
+            <a:xfrm>
+              <a:off x="880732" y="4260575"/>
+              <a:ext cx="327600" cy="147900"/>
+            </a:xfrm>
+            <a:prstGeom prst="roundRect">
+              <a:avLst>
+                <a:gd name="adj" fmla="val 50000"/>
+              </a:avLst>
+            </a:prstGeom>
+            <a:solidFill>
+              <a:schemeClr val="accent3"/>
+            </a:solidFill>
+            <a:ln>
+              <a:noFill/>
+            </a:ln>
+          </p:spPr>
+          <p:txBody>
+            <a:bodyPr spcFirstLastPara="1" wrap="square" lIns="91425" tIns="91425" rIns="91425" bIns="91425" anchor="ctr" anchorCtr="0">
+              <a:noAutofit/>
+            </a:bodyPr>
+            <a:lstStyle/>
+            <a:p>
+              <a:pPr marL="0" lvl="0" indent="0" algn="l" rtl="0">
+                <a:spcBef>
+                  <a:spcPts val="0"/>
+                </a:spcBef>
+                <a:spcAft>
+                  <a:spcPts val="0"/>
+                </a:spcAft>
+                <a:buNone/>
+              </a:pPr>
+              <a:endParaRPr/>
+            </a:p>
+          </p:txBody>
+        </p:sp>
+        <p:sp>
+          <p:nvSpPr>
+            <p:cNvPr id="508" name="Google Shape;508;p38"/>
+            <p:cNvSpPr/>
+            <p:nvPr/>
+          </p:nvSpPr>
+          <p:spPr>
+            <a:xfrm>
+              <a:off x="1374131" y="4260575"/>
+              <a:ext cx="524400" cy="147900"/>
+            </a:xfrm>
+            <a:prstGeom prst="roundRect">
+              <a:avLst>
+                <a:gd name="adj" fmla="val 50000"/>
+              </a:avLst>
+            </a:prstGeom>
+            <a:solidFill>
+              <a:schemeClr val="accent5"/>
+            </a:solidFill>
+            <a:ln>
+              <a:noFill/>
+            </a:ln>
+          </p:spPr>
+          <p:txBody>
+            <a:bodyPr spcFirstLastPara="1" wrap="square" lIns="91425" tIns="91425" rIns="91425" bIns="91425" anchor="ctr" anchorCtr="0">
+              <a:noAutofit/>
+            </a:bodyPr>
+            <a:lstStyle/>
+            <a:p>
+              <a:pPr marL="0" lvl="0" indent="0" algn="l" rtl="0">
+                <a:spcBef>
+                  <a:spcPts val="0"/>
+                </a:spcBef>
+                <a:spcAft>
+                  <a:spcPts val="0"/>
+                </a:spcAft>
+                <a:buNone/>
+              </a:pPr>
+              <a:endParaRPr/>
+            </a:p>
+          </p:txBody>
+        </p:sp>
+        <p:sp>
+          <p:nvSpPr>
+            <p:cNvPr id="509" name="Google Shape;509;p38"/>
+            <p:cNvSpPr/>
+            <p:nvPr/>
+          </p:nvSpPr>
+          <p:spPr>
+            <a:xfrm>
+              <a:off x="2032952" y="4260575"/>
+              <a:ext cx="661800" cy="147900"/>
+            </a:xfrm>
+            <a:prstGeom prst="roundRect">
+              <a:avLst>
+                <a:gd name="adj" fmla="val 50000"/>
+              </a:avLst>
+            </a:prstGeom>
+            <a:solidFill>
+              <a:schemeClr val="lt2"/>
+            </a:solidFill>
+            <a:ln>
+              <a:noFill/>
+            </a:ln>
+          </p:spPr>
+          <p:txBody>
+            <a:bodyPr spcFirstLastPara="1" wrap="square" lIns="91425" tIns="91425" rIns="91425" bIns="91425" anchor="ctr" anchorCtr="0">
+              <a:noAutofit/>
+            </a:bodyPr>
+            <a:lstStyle/>
+            <a:p>
+              <a:pPr marL="0" lvl="0" indent="0" algn="l" rtl="0">
+                <a:spcBef>
+                  <a:spcPts val="0"/>
+                </a:spcBef>
+                <a:spcAft>
+                  <a:spcPts val="0"/>
+                </a:spcAft>
+                <a:buNone/>
+              </a:pPr>
+              <a:endParaRPr/>
+            </a:p>
+          </p:txBody>
+        </p:sp>
+        <p:sp>
+          <p:nvSpPr>
+            <p:cNvPr id="510" name="Google Shape;510;p38"/>
+            <p:cNvSpPr/>
+            <p:nvPr/>
+          </p:nvSpPr>
+          <p:spPr>
+            <a:xfrm>
+              <a:off x="2783250" y="4260575"/>
+              <a:ext cx="241500" cy="147900"/>
+            </a:xfrm>
+            <a:prstGeom prst="roundRect">
+              <a:avLst>
+                <a:gd name="adj" fmla="val 50000"/>
+              </a:avLst>
+            </a:prstGeom>
+            <a:solidFill>
+              <a:schemeClr val="accent4"/>
+            </a:solidFill>
+            <a:ln>
+              <a:noFill/>
+            </a:ln>
+          </p:spPr>
+          <p:txBody>
+            <a:bodyPr spcFirstLastPara="1" wrap="square" lIns="91425" tIns="91425" rIns="91425" bIns="91425" anchor="ctr" anchorCtr="0">
+              <a:noAutofit/>
+            </a:bodyPr>
+            <a:lstStyle/>
+            <a:p>
+              <a:pPr marL="0" lvl="0" indent="0" algn="l" rtl="0">
+                <a:spcBef>
+                  <a:spcPts val="0"/>
+                </a:spcBef>
+                <a:spcAft>
+                  <a:spcPts val="0"/>
+                </a:spcAft>
+                <a:buNone/>
+              </a:pPr>
+              <a:endParaRPr/>
+            </a:p>
+          </p:txBody>
+        </p:sp>
+        <p:sp>
+          <p:nvSpPr>
+            <p:cNvPr id="511" name="Google Shape;511;p38"/>
+            <p:cNvSpPr/>
+            <p:nvPr/>
+          </p:nvSpPr>
+          <p:spPr>
+            <a:xfrm>
+              <a:off x="880732" y="4469100"/>
+              <a:ext cx="327600" cy="147900"/>
+            </a:xfrm>
+            <a:prstGeom prst="roundRect">
+              <a:avLst>
+                <a:gd name="adj" fmla="val 50000"/>
+              </a:avLst>
+            </a:prstGeom>
+            <a:solidFill>
+              <a:schemeClr val="accent2"/>
+            </a:solidFill>
+            <a:ln>
+              <a:noFill/>
+            </a:ln>
+          </p:spPr>
+          <p:txBody>
+            <a:bodyPr spcFirstLastPara="1" wrap="square" lIns="91425" tIns="91425" rIns="91425" bIns="91425" anchor="ctr" anchorCtr="0">
+              <a:noAutofit/>
+            </a:bodyPr>
+            <a:lstStyle/>
+            <a:p>
+              <a:pPr marL="0" lvl="0" indent="0" algn="l" rtl="0">
+                <a:spcBef>
+                  <a:spcPts val="0"/>
+                </a:spcBef>
+                <a:spcAft>
+                  <a:spcPts val="0"/>
+                </a:spcAft>
+                <a:buNone/>
+              </a:pPr>
+              <a:endParaRPr/>
+            </a:p>
+          </p:txBody>
+        </p:sp>
+        <p:sp>
+          <p:nvSpPr>
+            <p:cNvPr id="512" name="Google Shape;512;p38"/>
+            <p:cNvSpPr/>
+            <p:nvPr/>
+          </p:nvSpPr>
+          <p:spPr>
+            <a:xfrm>
+              <a:off x="1374131" y="4469100"/>
+              <a:ext cx="834000" cy="147900"/>
+            </a:xfrm>
+            <a:prstGeom prst="roundRect">
+              <a:avLst>
+                <a:gd name="adj" fmla="val 50000"/>
+              </a:avLst>
+            </a:prstGeom>
+            <a:solidFill>
+              <a:schemeClr val="accent1"/>
+            </a:solidFill>
+            <a:ln>
+              <a:noFill/>
+            </a:ln>
+          </p:spPr>
+          <p:txBody>
+            <a:bodyPr spcFirstLastPara="1" wrap="square" lIns="91425" tIns="91425" rIns="91425" bIns="91425" anchor="ctr" anchorCtr="0">
+              <a:noAutofit/>
+            </a:bodyPr>
+            <a:lstStyle/>
+            <a:p>
+              <a:pPr marL="0" lvl="0" indent="0" algn="l" rtl="0">
+                <a:spcBef>
+                  <a:spcPts val="0"/>
+                </a:spcBef>
+                <a:spcAft>
+                  <a:spcPts val="0"/>
+                </a:spcAft>
+                <a:buNone/>
+              </a:pPr>
+              <a:endParaRPr/>
+            </a:p>
+          </p:txBody>
+        </p:sp>
+        <p:sp>
+          <p:nvSpPr>
+            <p:cNvPr id="513" name="Google Shape;513;p38"/>
+            <p:cNvSpPr/>
+            <p:nvPr/>
+          </p:nvSpPr>
+          <p:spPr>
+            <a:xfrm>
+              <a:off x="2318331" y="4469100"/>
+              <a:ext cx="354900" cy="147900"/>
+            </a:xfrm>
+            <a:prstGeom prst="roundRect">
+              <a:avLst>
+                <a:gd name="adj" fmla="val 50000"/>
+              </a:avLst>
+            </a:prstGeom>
+            <a:solidFill>
+              <a:schemeClr val="dk1"/>
+            </a:solidFill>
+            <a:ln>
+              <a:noFill/>
+            </a:ln>
+          </p:spPr>
+          <p:txBody>
+            <a:bodyPr spcFirstLastPara="1" wrap="square" lIns="91425" tIns="91425" rIns="91425" bIns="91425" anchor="ctr" anchorCtr="0">
+              <a:noAutofit/>
+            </a:bodyPr>
+            <a:lstStyle/>
+            <a:p>
+              <a:pPr marL="0" lvl="0" indent="0" algn="l" rtl="0">
+                <a:spcBef>
+                  <a:spcPts val="0"/>
+                </a:spcBef>
+                <a:spcAft>
+                  <a:spcPts val="0"/>
+                </a:spcAft>
+                <a:buNone/>
+              </a:pPr>
+              <a:endParaRPr/>
+            </a:p>
+          </p:txBody>
+        </p:sp>
+        <p:sp>
+          <p:nvSpPr>
+            <p:cNvPr id="514" name="Google Shape;514;p38"/>
+            <p:cNvSpPr/>
+            <p:nvPr/>
+          </p:nvSpPr>
+          <p:spPr>
+            <a:xfrm>
+              <a:off x="2783561" y="4471163"/>
+              <a:ext cx="633300" cy="147900"/>
+            </a:xfrm>
+            <a:prstGeom prst="roundRect">
+              <a:avLst>
+                <a:gd name="adj" fmla="val 50000"/>
+              </a:avLst>
+            </a:prstGeom>
+            <a:solidFill>
+              <a:schemeClr val="accent6"/>
+            </a:solidFill>
+            <a:ln>
+              <a:noFill/>
+            </a:ln>
+          </p:spPr>
+          <p:txBody>
+            <a:bodyPr spcFirstLastPara="1" wrap="square" lIns="91425" tIns="91425" rIns="91425" bIns="91425" anchor="ctr" anchorCtr="0">
+              <a:noAutofit/>
+            </a:bodyPr>
+            <a:lstStyle/>
+            <a:p>
+              <a:pPr marL="0" lvl="0" indent="0" algn="l" rtl="0">
+                <a:spcBef>
+                  <a:spcPts val="0"/>
+                </a:spcBef>
+                <a:spcAft>
+                  <a:spcPts val="0"/>
+                </a:spcAft>
+                <a:buNone/>
+              </a:pPr>
+              <a:endParaRPr/>
+            </a:p>
+          </p:txBody>
+        </p:sp>
+        <p:sp>
+          <p:nvSpPr>
+            <p:cNvPr id="515" name="Google Shape;515;p38"/>
+            <p:cNvSpPr/>
+            <p:nvPr/>
+          </p:nvSpPr>
+          <p:spPr>
+            <a:xfrm>
+              <a:off x="1301861" y="3961838"/>
+              <a:ext cx="633300" cy="147900"/>
+            </a:xfrm>
+            <a:prstGeom prst="roundRect">
+              <a:avLst>
+                <a:gd name="adj" fmla="val 50000"/>
+              </a:avLst>
+            </a:prstGeom>
+            <a:solidFill>
+              <a:schemeClr val="accent6"/>
+            </a:solidFill>
+            <a:ln>
+              <a:noFill/>
+            </a:ln>
+          </p:spPr>
+          <p:txBody>
+            <a:bodyPr spcFirstLastPara="1" wrap="square" lIns="91425" tIns="91425" rIns="91425" bIns="91425" anchor="ctr" anchorCtr="0">
+              <a:noAutofit/>
+            </a:bodyPr>
+            <a:lstStyle/>
+            <a:p>
+              <a:pPr marL="0" lvl="0" indent="0" algn="l" rtl="0">
+                <a:spcBef>
+                  <a:spcPts val="0"/>
+                </a:spcBef>
+                <a:spcAft>
+                  <a:spcPts val="0"/>
+                </a:spcAft>
+                <a:buNone/>
+              </a:pPr>
+              <a:endParaRPr/>
+            </a:p>
+          </p:txBody>
+        </p:sp>
+        <p:sp>
+          <p:nvSpPr>
+            <p:cNvPr id="516" name="Google Shape;516;p38"/>
+            <p:cNvSpPr/>
+            <p:nvPr/>
+          </p:nvSpPr>
+          <p:spPr>
+            <a:xfrm>
+              <a:off x="1301861" y="3731738"/>
+              <a:ext cx="633300" cy="147900"/>
+            </a:xfrm>
+            <a:prstGeom prst="roundRect">
+              <a:avLst>
+                <a:gd name="adj" fmla="val 50000"/>
+              </a:avLst>
+            </a:prstGeom>
+            <a:solidFill>
+              <a:schemeClr val="accent6"/>
+            </a:solidFill>
+            <a:ln>
+              <a:noFill/>
+            </a:ln>
+          </p:spPr>
+          <p:txBody>
+            <a:bodyPr spcFirstLastPara="1" wrap="square" lIns="91425" tIns="91425" rIns="91425" bIns="91425" anchor="ctr" anchorCtr="0">
+              <a:noAutofit/>
+            </a:bodyPr>
+            <a:lstStyle/>
+            <a:p>
+              <a:pPr marL="0" lvl="0" indent="0" algn="l" rtl="0">
+                <a:spcBef>
+                  <a:spcPts val="0"/>
+                </a:spcBef>
+                <a:spcAft>
+                  <a:spcPts val="0"/>
+                </a:spcAft>
+                <a:buNone/>
+              </a:pPr>
+              <a:endParaRPr/>
+            </a:p>
+          </p:txBody>
+        </p:sp>
+        <p:sp>
+          <p:nvSpPr>
+            <p:cNvPr id="517" name="Google Shape;517;p38"/>
+            <p:cNvSpPr/>
+            <p:nvPr/>
+          </p:nvSpPr>
+          <p:spPr>
+            <a:xfrm>
+              <a:off x="2028686" y="3961838"/>
+              <a:ext cx="633300" cy="147900"/>
+            </a:xfrm>
+            <a:prstGeom prst="roundRect">
+              <a:avLst>
+                <a:gd name="adj" fmla="val 50000"/>
+              </a:avLst>
+            </a:prstGeom>
+            <a:solidFill>
+              <a:schemeClr val="accent6"/>
+            </a:solidFill>
+            <a:ln>
+              <a:noFill/>
+            </a:ln>
+          </p:spPr>
+          <p:txBody>
+            <a:bodyPr spcFirstLastPara="1" wrap="square" lIns="91425" tIns="91425" rIns="91425" bIns="91425" anchor="ctr" anchorCtr="0">
+              <a:noAutofit/>
+            </a:bodyPr>
+            <a:lstStyle/>
+            <a:p>
+              <a:pPr marL="0" lvl="0" indent="0" algn="l" rtl="0">
+                <a:spcBef>
+                  <a:spcPts val="0"/>
+                </a:spcBef>
+                <a:spcAft>
+                  <a:spcPts val="0"/>
+                </a:spcAft>
+                <a:buNone/>
+              </a:pPr>
+              <a:endParaRPr/>
+            </a:p>
+          </p:txBody>
+        </p:sp>
+      </p:grpSp>
+      <p:sp>
+        <p:nvSpPr>
+          <p:cNvPr id="499" name="Google Shape;499;p38"/>
+          <p:cNvSpPr txBox="1">
+            <a:spLocks noGrp="1"/>
+          </p:cNvSpPr>
+          <p:nvPr>
+            <p:ph type="subTitle" idx="2"/>
+          </p:nvPr>
+        </p:nvSpPr>
+        <p:spPr>
+          <a:xfrm>
+            <a:off x="236911" y="1706561"/>
+            <a:ext cx="4408200" cy="2915213"/>
+          </a:xfrm>
+          <a:prstGeom prst="rect">
+            <a:avLst/>
+          </a:prstGeom>
+        </p:spPr>
+        <p:txBody>
+          <a:bodyPr spcFirstLastPara="1" wrap="square" lIns="91425" tIns="91425" rIns="91425" bIns="91425" anchor="t" anchorCtr="0">
+            <a:noAutofit/>
+          </a:bodyPr>
+          <a:lstStyle/>
+          <a:p>
+            <a:pPr marL="342900" indent="-342900">
+              <a:buFont typeface="Arial" panose="020B0604020202020204" pitchFamily="34" charset="0"/>
+              <a:buChar char="•"/>
+            </a:pPr>
+            <a:r>
+              <a:rPr lang="vi-VN" dirty="0">
+                <a:latin typeface="Source Code Pro" panose="020B0509030403020204" pitchFamily="49" charset="0"/>
+                <a:ea typeface="Source Code Pro" panose="020B0509030403020204" pitchFamily="49" charset="0"/>
+                <a:cs typeface="Times New Roman" panose="02020603050405020304" pitchFamily="18" charset="0"/>
+              </a:rPr>
+              <a:t>Trong lớp </a:t>
+            </a:r>
+            <a:r>
+              <a:rPr lang="en-US" dirty="0" err="1"/>
+              <a:t>DataSortingVisualizeController</a:t>
+            </a:r>
+            <a:r>
+              <a:rPr lang="vi-VN" dirty="0"/>
+              <a:t>, biến sortingAlgorithm được khai báo với kiểu dữ liệu là SortingAlgorithm</a:t>
+            </a:r>
+            <a:endParaRPr lang="en-US" dirty="0"/>
+          </a:p>
+          <a:p>
+            <a:pPr marL="342900" indent="-342900">
+              <a:buFont typeface="Arial" panose="020B0604020202020204" pitchFamily="34" charset="0"/>
+              <a:buChar char="•"/>
+            </a:pPr>
+            <a:r>
+              <a:rPr lang="en-US" dirty="0" err="1"/>
+              <a:t>Các</a:t>
+            </a:r>
+            <a:r>
+              <a:rPr lang="en-US" dirty="0"/>
+              <a:t> </a:t>
+            </a:r>
+            <a:r>
+              <a:rPr lang="en-US" dirty="0" err="1"/>
+              <a:t>biến</a:t>
+            </a:r>
+            <a:r>
+              <a:rPr lang="en-US" dirty="0"/>
+              <a:t> </a:t>
+            </a:r>
+            <a:r>
+              <a:rPr lang="en-US" dirty="0" err="1"/>
+              <a:t>sortingAlgorithm</a:t>
+            </a:r>
+            <a:r>
+              <a:rPr lang="en-US" dirty="0"/>
+              <a:t> sẽ được </a:t>
+            </a:r>
+            <a:r>
+              <a:rPr lang="en-US" dirty="0" err="1"/>
+              <a:t>khởi</a:t>
+            </a:r>
+            <a:r>
+              <a:rPr lang="en-US" dirty="0"/>
+              <a:t> tạo </a:t>
+            </a:r>
+            <a:r>
+              <a:rPr lang="en-US" dirty="0" err="1"/>
+              <a:t>dựa</a:t>
+            </a:r>
+            <a:r>
+              <a:rPr lang="en-US" dirty="0"/>
+              <a:t> </a:t>
+            </a:r>
+            <a:r>
+              <a:rPr lang="en-US" dirty="0" err="1"/>
+              <a:t>theo</a:t>
+            </a:r>
+            <a:r>
+              <a:rPr lang="en-US" dirty="0"/>
+              <a:t> </a:t>
+            </a:r>
+            <a:r>
+              <a:rPr lang="en-US" dirty="0" err="1"/>
+              <a:t>các</a:t>
+            </a:r>
+            <a:r>
+              <a:rPr lang="en-US" dirty="0"/>
+              <a:t> </a:t>
+            </a:r>
+            <a:r>
+              <a:rPr lang="en-US" dirty="0" err="1"/>
+              <a:t>lớp</a:t>
+            </a:r>
+            <a:r>
+              <a:rPr lang="en-US" dirty="0"/>
+              <a:t> </a:t>
+            </a:r>
+            <a:r>
+              <a:rPr lang="en-US" dirty="0" err="1"/>
+              <a:t>MergeSort</a:t>
+            </a:r>
+            <a:r>
+              <a:rPr lang="en-US" dirty="0"/>
+              <a:t>, </a:t>
+            </a:r>
+            <a:r>
+              <a:rPr lang="en-US" dirty="0" err="1"/>
+              <a:t>RadixSort</a:t>
+            </a:r>
+            <a:r>
+              <a:rPr lang="en-US" dirty="0"/>
+              <a:t> </a:t>
+            </a:r>
+            <a:r>
+              <a:rPr lang="en-US" dirty="0" err="1"/>
+              <a:t>và</a:t>
+            </a:r>
+            <a:r>
+              <a:rPr lang="en-US" dirty="0"/>
+              <a:t> </a:t>
+            </a:r>
+            <a:r>
+              <a:rPr lang="en-US" dirty="0" err="1"/>
+              <a:t>CountingSort</a:t>
+            </a:r>
+            <a:endParaRPr lang="en-US" dirty="0"/>
+          </a:p>
+          <a:p>
+            <a:pPr marL="342900" indent="-342900">
+              <a:buFont typeface="Arial" panose="020B0604020202020204" pitchFamily="34" charset="0"/>
+              <a:buChar char="•"/>
+            </a:pPr>
+            <a:r>
+              <a:rPr lang="en-US" dirty="0"/>
+              <a:t>Khi gọi </a:t>
+            </a:r>
+            <a:r>
+              <a:rPr lang="en-US" dirty="0" err="1"/>
+              <a:t>phương</a:t>
+            </a:r>
+            <a:r>
+              <a:rPr lang="en-US" dirty="0"/>
+              <a:t> thức Sort() thì Java sẽ </a:t>
+            </a:r>
+            <a:r>
+              <a:rPr lang="en-US" dirty="0" err="1"/>
+              <a:t>dựa</a:t>
+            </a:r>
+            <a:r>
+              <a:rPr lang="en-US" dirty="0"/>
+              <a:t> vào kiểu của </a:t>
+            </a:r>
+            <a:r>
+              <a:rPr lang="en-US" dirty="0" err="1"/>
+              <a:t>biến</a:t>
+            </a:r>
+            <a:r>
+              <a:rPr lang="en-US" dirty="0"/>
+              <a:t> </a:t>
+            </a:r>
+            <a:r>
+              <a:rPr lang="en-US" dirty="0" err="1"/>
+              <a:t>sortingAlgorithm</a:t>
+            </a:r>
+            <a:r>
+              <a:rPr lang="en-US" dirty="0"/>
+              <a:t> </a:t>
+            </a:r>
+            <a:r>
+              <a:rPr lang="en-US" dirty="0" err="1"/>
+              <a:t>lúc</a:t>
+            </a:r>
+            <a:r>
+              <a:rPr lang="en-US" dirty="0"/>
+              <a:t> </a:t>
+            </a:r>
+            <a:r>
+              <a:rPr lang="en-US" dirty="0" err="1"/>
+              <a:t>đó</a:t>
+            </a:r>
+            <a:r>
+              <a:rPr lang="en-US" dirty="0"/>
+              <a:t> để xác </a:t>
+            </a:r>
+            <a:r>
+              <a:rPr lang="en-US" dirty="0" err="1"/>
+              <a:t>định</a:t>
+            </a:r>
+            <a:r>
+              <a:rPr lang="en-US" dirty="0"/>
+              <a:t> đúng </a:t>
+            </a:r>
+            <a:r>
+              <a:rPr lang="en-US" dirty="0" err="1"/>
+              <a:t>phương</a:t>
+            </a:r>
+            <a:r>
+              <a:rPr lang="en-US" dirty="0"/>
+              <a:t> thức Sort()</a:t>
+            </a:r>
+            <a:endParaRPr lang="vi-VN" dirty="0"/>
+          </a:p>
+        </p:txBody>
+      </p:sp>
+      <p:sp>
+        <p:nvSpPr>
+          <p:cNvPr id="500" name="Google Shape;500;p38"/>
+          <p:cNvSpPr txBox="1">
+            <a:spLocks noGrp="1"/>
+          </p:cNvSpPr>
+          <p:nvPr>
+            <p:ph type="subTitle" idx="3"/>
+          </p:nvPr>
+        </p:nvSpPr>
+        <p:spPr>
+          <a:xfrm>
+            <a:off x="220367" y="1195011"/>
+            <a:ext cx="2789400" cy="558900"/>
+          </a:xfrm>
+          <a:prstGeom prst="rect">
+            <a:avLst/>
+          </a:prstGeom>
+        </p:spPr>
+        <p:txBody>
+          <a:bodyPr spcFirstLastPara="1" wrap="square" lIns="91425" tIns="91425" rIns="91425" bIns="91425" anchor="b" anchorCtr="0">
+            <a:noAutofit/>
+          </a:bodyPr>
+          <a:lstStyle/>
+          <a:p>
+            <a:pPr marL="0" lvl="0" indent="0" algn="l" rtl="0">
+              <a:spcBef>
+                <a:spcPts val="0"/>
+              </a:spcBef>
+              <a:spcAft>
+                <a:spcPts val="0"/>
+              </a:spcAft>
+              <a:buNone/>
+            </a:pPr>
+            <a:r>
+              <a:rPr lang="en-US" b="1" dirty="0" err="1"/>
+              <a:t>Tính</a:t>
+            </a:r>
+            <a:r>
+              <a:rPr lang="en-US" b="1" dirty="0"/>
+              <a:t> </a:t>
+            </a:r>
+            <a:r>
+              <a:rPr lang="vi-VN" b="1" dirty="0"/>
+              <a:t>đa hình</a:t>
+            </a:r>
+            <a:endParaRPr lang="en-US" b="1" dirty="0"/>
+          </a:p>
+        </p:txBody>
+      </p:sp>
+      <p:sp>
+        <p:nvSpPr>
+          <p:cNvPr id="503" name="Google Shape;503;p38"/>
+          <p:cNvSpPr txBox="1"/>
+          <p:nvPr/>
+        </p:nvSpPr>
+        <p:spPr>
+          <a:xfrm>
+            <a:off x="8598539" y="4234237"/>
+            <a:ext cx="519300" cy="759300"/>
+          </a:xfrm>
+          <a:prstGeom prst="rect">
+            <a:avLst/>
+          </a:prstGeom>
+          <a:noFill/>
+          <a:ln>
+            <a:noFill/>
+          </a:ln>
+        </p:spPr>
+        <p:txBody>
+          <a:bodyPr spcFirstLastPara="1" wrap="square" lIns="91425" tIns="91425" rIns="91425" bIns="91425" anchor="ctr" anchorCtr="0">
+            <a:noAutofit/>
+          </a:bodyPr>
+          <a:lstStyle/>
+          <a:p>
+            <a:pPr marL="0" lvl="0" indent="0" algn="l" rtl="0">
+              <a:spcBef>
+                <a:spcPts val="0"/>
+              </a:spcBef>
+              <a:spcAft>
+                <a:spcPts val="0"/>
+              </a:spcAft>
+              <a:buNone/>
+            </a:pPr>
+            <a:r>
+              <a:rPr lang="en" sz="5000" dirty="0">
+                <a:solidFill>
+                  <a:schemeClr val="accent3"/>
+                </a:solidFill>
+                <a:latin typeface="Comfortaa"/>
+                <a:ea typeface="Comfortaa"/>
+                <a:cs typeface="Comfortaa"/>
+                <a:sym typeface="Comfortaa"/>
+              </a:rPr>
+              <a:t>}</a:t>
+            </a:r>
+            <a:endParaRPr sz="5000" dirty="0">
+              <a:solidFill>
+                <a:schemeClr val="accent3"/>
+              </a:solidFill>
+              <a:latin typeface="Comfortaa"/>
+              <a:ea typeface="Comfortaa"/>
+              <a:cs typeface="Comfortaa"/>
+              <a:sym typeface="Comfortaa"/>
+            </a:endParaRPr>
+          </a:p>
+        </p:txBody>
+      </p:sp>
+      <p:sp>
+        <p:nvSpPr>
+          <p:cNvPr id="518" name="Google Shape;518;p38"/>
+          <p:cNvSpPr txBox="1"/>
+          <p:nvPr/>
+        </p:nvSpPr>
+        <p:spPr>
+          <a:xfrm>
+            <a:off x="7508950" y="4113100"/>
+            <a:ext cx="519300" cy="791700"/>
+          </a:xfrm>
+          <a:prstGeom prst="rect">
+            <a:avLst/>
+          </a:prstGeom>
+          <a:noFill/>
+          <a:ln>
+            <a:noFill/>
+          </a:ln>
+        </p:spPr>
+        <p:txBody>
+          <a:bodyPr spcFirstLastPara="1" wrap="square" lIns="91425" tIns="91425" rIns="91425" bIns="91425" anchor="t" anchorCtr="0">
+            <a:noAutofit/>
+          </a:bodyPr>
+          <a:lstStyle/>
+          <a:p>
+            <a:pPr marL="0" lvl="0" indent="0" algn="l" rtl="0">
+              <a:spcBef>
+                <a:spcPts val="0"/>
+              </a:spcBef>
+              <a:spcAft>
+                <a:spcPts val="0"/>
+              </a:spcAft>
+              <a:buNone/>
+            </a:pPr>
+            <a:r>
+              <a:rPr lang="en" sz="9600">
+                <a:solidFill>
+                  <a:schemeClr val="accent5"/>
+                </a:solidFill>
+                <a:latin typeface="Comfortaa"/>
+                <a:ea typeface="Comfortaa"/>
+                <a:cs typeface="Comfortaa"/>
+                <a:sym typeface="Comfortaa"/>
+              </a:rPr>
+              <a:t>*</a:t>
+            </a:r>
+            <a:endParaRPr sz="9600">
+              <a:solidFill>
+                <a:schemeClr val="accent5"/>
+              </a:solidFill>
+              <a:latin typeface="Comfortaa"/>
+              <a:ea typeface="Comfortaa"/>
+              <a:cs typeface="Comfortaa"/>
+              <a:sym typeface="Comfortaa"/>
+            </a:endParaRPr>
+          </a:p>
+        </p:txBody>
+      </p:sp>
+      <p:sp>
+        <p:nvSpPr>
+          <p:cNvPr id="5" name="Google Shape;454;p37">
+            <a:extLst>
+              <a:ext uri="{FF2B5EF4-FFF2-40B4-BE49-F238E27FC236}">
+                <a16:creationId xmlns:a16="http://schemas.microsoft.com/office/drawing/2014/main" id="{BEB4150A-3B3E-FB2F-2F3E-53CE46C0522D}"/>
+              </a:ext>
+            </a:extLst>
+          </p:cNvPr>
+          <p:cNvSpPr txBox="1">
+            <a:spLocks noGrp="1"/>
+          </p:cNvSpPr>
+          <p:nvPr>
+            <p:ph type="title"/>
+          </p:nvPr>
+        </p:nvSpPr>
+        <p:spPr>
+          <a:xfrm>
+            <a:off x="716550" y="253149"/>
+            <a:ext cx="7710900" cy="853203"/>
+          </a:xfrm>
+          <a:prstGeom prst="rect">
+            <a:avLst/>
+          </a:prstGeom>
+        </p:spPr>
+        <p:txBody>
+          <a:bodyPr spcFirstLastPara="1" wrap="square" lIns="91425" tIns="91425" rIns="91425" bIns="91425" anchor="t" anchorCtr="0">
+            <a:noAutofit/>
+          </a:bodyPr>
+          <a:lstStyle/>
+          <a:p>
+            <a:pPr marL="0" lvl="0" indent="0" algn="ctr" rtl="0">
+              <a:spcBef>
+                <a:spcPts val="0"/>
+              </a:spcBef>
+              <a:spcAft>
+                <a:spcPts val="0"/>
+              </a:spcAft>
+              <a:buNone/>
+            </a:pPr>
+            <a:r>
+              <a:rPr lang="en-US" sz="4400" b="1" dirty="0"/>
+              <a:t>OOP </a:t>
+            </a:r>
+            <a:r>
+              <a:rPr lang="en-US" sz="4400" b="1" dirty="0">
+                <a:solidFill>
+                  <a:schemeClr val="accent4">
+                    <a:lumMod val="75000"/>
+                  </a:schemeClr>
+                </a:solidFill>
+              </a:rPr>
+              <a:t>Techniques</a:t>
+            </a:r>
+          </a:p>
+        </p:txBody>
+      </p:sp>
+      <p:sp>
+        <p:nvSpPr>
+          <p:cNvPr id="2" name="Google Shape;500;p38">
+            <a:extLst>
+              <a:ext uri="{FF2B5EF4-FFF2-40B4-BE49-F238E27FC236}">
+                <a16:creationId xmlns:a16="http://schemas.microsoft.com/office/drawing/2014/main" id="{1BB68F9C-F006-89CD-2E73-9C4C4DA2FEDE}"/>
+              </a:ext>
+            </a:extLst>
+          </p:cNvPr>
+          <p:cNvSpPr txBox="1">
+            <a:spLocks/>
+          </p:cNvSpPr>
+          <p:nvPr/>
+        </p:nvSpPr>
+        <p:spPr>
+          <a:xfrm>
+            <a:off x="4813148" y="1305847"/>
+            <a:ext cx="2789400" cy="558900"/>
+          </a:xfrm>
+          <a:prstGeom prst="rect">
+            <a:avLst/>
+          </a:prstGeom>
+          <a:noFill/>
+          <a:ln>
+            <a:noFill/>
+          </a:ln>
+        </p:spPr>
+        <p:txBody>
+          <a:bodyPr spcFirstLastPara="1" wrap="square" lIns="91425" tIns="91425" rIns="91425" bIns="91425" anchor="b" anchorCtr="0">
+            <a:noAutofit/>
+          </a:bodyPr>
+          <a:lstStyle>
+            <a:defPPr marR="0" lvl="0" algn="l" rtl="0">
+              <a:lnSpc>
+                <a:spcPct val="100000"/>
+              </a:lnSpc>
+              <a:spcBef>
+                <a:spcPts val="0"/>
+              </a:spcBef>
+              <a:spcAft>
+                <a:spcPts val="0"/>
+              </a:spcAft>
+            </a:defPPr>
+            <a:lvl1pPr marL="457200" marR="0" lvl="0" indent="-317500" algn="l" rtl="0">
+              <a:lnSpc>
+                <a:spcPct val="115000"/>
+              </a:lnSpc>
+              <a:spcBef>
+                <a:spcPts val="0"/>
+              </a:spcBef>
+              <a:spcAft>
+                <a:spcPts val="0"/>
+              </a:spcAft>
+              <a:buClr>
+                <a:schemeClr val="dk1"/>
+              </a:buClr>
+              <a:buSzPts val="2400"/>
+              <a:buFont typeface="Bebas Neue"/>
+              <a:buNone/>
+              <a:defRPr sz="2400" b="0" i="0" u="none" strike="noStrike" cap="none">
+                <a:solidFill>
+                  <a:schemeClr val="dk2"/>
+                </a:solidFill>
+                <a:latin typeface="Source Code Pro Medium"/>
+                <a:ea typeface="Source Code Pro Medium"/>
+                <a:cs typeface="Source Code Pro Medium"/>
+                <a:sym typeface="Source Code Pro Medium"/>
+              </a:defRPr>
+            </a:lvl1pPr>
+            <a:lvl2pPr marL="914400" marR="0" lvl="1" indent="-317500" algn="ctr" rtl="0">
+              <a:lnSpc>
+                <a:spcPct val="100000"/>
+              </a:lnSpc>
+              <a:spcBef>
+                <a:spcPts val="0"/>
+              </a:spcBef>
+              <a:spcAft>
+                <a:spcPts val="0"/>
+              </a:spcAft>
+              <a:buClr>
+                <a:schemeClr val="dk1"/>
+              </a:buClr>
+              <a:buSzPts val="2400"/>
+              <a:buFont typeface="Bebas Neue"/>
+              <a:buNone/>
+              <a:defRPr sz="2400" b="0" i="0" u="none" strike="noStrike" cap="none">
+                <a:solidFill>
+                  <a:schemeClr val="dk1"/>
+                </a:solidFill>
+                <a:latin typeface="Bebas Neue"/>
+                <a:ea typeface="Bebas Neue"/>
+                <a:cs typeface="Bebas Neue"/>
+                <a:sym typeface="Bebas Neue"/>
+              </a:defRPr>
+            </a:lvl2pPr>
+            <a:lvl3pPr marL="1371600" marR="0" lvl="2" indent="-317500" algn="ctr" rtl="0">
+              <a:lnSpc>
+                <a:spcPct val="100000"/>
+              </a:lnSpc>
+              <a:spcBef>
+                <a:spcPts val="0"/>
+              </a:spcBef>
+              <a:spcAft>
+                <a:spcPts val="0"/>
+              </a:spcAft>
+              <a:buClr>
+                <a:schemeClr val="dk1"/>
+              </a:buClr>
+              <a:buSzPts val="2400"/>
+              <a:buFont typeface="Bebas Neue"/>
+              <a:buNone/>
+              <a:defRPr sz="2400" b="0" i="0" u="none" strike="noStrike" cap="none">
+                <a:solidFill>
+                  <a:schemeClr val="dk1"/>
+                </a:solidFill>
+                <a:latin typeface="Bebas Neue"/>
+                <a:ea typeface="Bebas Neue"/>
+                <a:cs typeface="Bebas Neue"/>
+                <a:sym typeface="Bebas Neue"/>
+              </a:defRPr>
+            </a:lvl3pPr>
+            <a:lvl4pPr marL="1828800" marR="0" lvl="3" indent="-317500" algn="ctr" rtl="0">
+              <a:lnSpc>
+                <a:spcPct val="100000"/>
+              </a:lnSpc>
+              <a:spcBef>
+                <a:spcPts val="0"/>
+              </a:spcBef>
+              <a:spcAft>
+                <a:spcPts val="0"/>
+              </a:spcAft>
+              <a:buClr>
+                <a:schemeClr val="dk1"/>
+              </a:buClr>
+              <a:buSzPts val="2400"/>
+              <a:buFont typeface="Bebas Neue"/>
+              <a:buNone/>
+              <a:defRPr sz="2400" b="0" i="0" u="none" strike="noStrike" cap="none">
+                <a:solidFill>
+                  <a:schemeClr val="dk1"/>
+                </a:solidFill>
+                <a:latin typeface="Bebas Neue"/>
+                <a:ea typeface="Bebas Neue"/>
+                <a:cs typeface="Bebas Neue"/>
+                <a:sym typeface="Bebas Neue"/>
+              </a:defRPr>
+            </a:lvl4pPr>
+            <a:lvl5pPr marL="2286000" marR="0" lvl="4" indent="-317500" algn="ctr" rtl="0">
+              <a:lnSpc>
+                <a:spcPct val="100000"/>
+              </a:lnSpc>
+              <a:spcBef>
+                <a:spcPts val="0"/>
+              </a:spcBef>
+              <a:spcAft>
+                <a:spcPts val="0"/>
+              </a:spcAft>
+              <a:buClr>
+                <a:schemeClr val="dk1"/>
+              </a:buClr>
+              <a:buSzPts val="2400"/>
+              <a:buFont typeface="Bebas Neue"/>
+              <a:buNone/>
+              <a:defRPr sz="2400" b="0" i="0" u="none" strike="noStrike" cap="none">
+                <a:solidFill>
+                  <a:schemeClr val="dk1"/>
+                </a:solidFill>
+                <a:latin typeface="Bebas Neue"/>
+                <a:ea typeface="Bebas Neue"/>
+                <a:cs typeface="Bebas Neue"/>
+                <a:sym typeface="Bebas Neue"/>
+              </a:defRPr>
+            </a:lvl5pPr>
+            <a:lvl6pPr marL="2743200" marR="0" lvl="5" indent="-317500" algn="ctr" rtl="0">
+              <a:lnSpc>
+                <a:spcPct val="100000"/>
+              </a:lnSpc>
+              <a:spcBef>
+                <a:spcPts val="0"/>
+              </a:spcBef>
+              <a:spcAft>
+                <a:spcPts val="0"/>
+              </a:spcAft>
+              <a:buClr>
+                <a:schemeClr val="dk1"/>
+              </a:buClr>
+              <a:buSzPts val="2400"/>
+              <a:buFont typeface="Bebas Neue"/>
+              <a:buNone/>
+              <a:defRPr sz="2400" b="0" i="0" u="none" strike="noStrike" cap="none">
+                <a:solidFill>
+                  <a:schemeClr val="dk1"/>
+                </a:solidFill>
+                <a:latin typeface="Bebas Neue"/>
+                <a:ea typeface="Bebas Neue"/>
+                <a:cs typeface="Bebas Neue"/>
+                <a:sym typeface="Bebas Neue"/>
+              </a:defRPr>
+            </a:lvl6pPr>
+            <a:lvl7pPr marL="3200400" marR="0" lvl="6" indent="-317500" algn="ctr" rtl="0">
+              <a:lnSpc>
+                <a:spcPct val="100000"/>
+              </a:lnSpc>
+              <a:spcBef>
+                <a:spcPts val="0"/>
+              </a:spcBef>
+              <a:spcAft>
+                <a:spcPts val="0"/>
+              </a:spcAft>
+              <a:buClr>
+                <a:schemeClr val="dk1"/>
+              </a:buClr>
+              <a:buSzPts val="2400"/>
+              <a:buFont typeface="Bebas Neue"/>
+              <a:buNone/>
+              <a:defRPr sz="2400" b="0" i="0" u="none" strike="noStrike" cap="none">
+                <a:solidFill>
+                  <a:schemeClr val="dk1"/>
+                </a:solidFill>
+                <a:latin typeface="Bebas Neue"/>
+                <a:ea typeface="Bebas Neue"/>
+                <a:cs typeface="Bebas Neue"/>
+                <a:sym typeface="Bebas Neue"/>
+              </a:defRPr>
+            </a:lvl7pPr>
+            <a:lvl8pPr marL="3657600" marR="0" lvl="7" indent="-317500" algn="ctr" rtl="0">
+              <a:lnSpc>
+                <a:spcPct val="100000"/>
+              </a:lnSpc>
+              <a:spcBef>
+                <a:spcPts val="0"/>
+              </a:spcBef>
+              <a:spcAft>
+                <a:spcPts val="0"/>
+              </a:spcAft>
+              <a:buClr>
+                <a:schemeClr val="dk1"/>
+              </a:buClr>
+              <a:buSzPts val="2400"/>
+              <a:buFont typeface="Bebas Neue"/>
+              <a:buNone/>
+              <a:defRPr sz="2400" b="0" i="0" u="none" strike="noStrike" cap="none">
+                <a:solidFill>
+                  <a:schemeClr val="dk1"/>
+                </a:solidFill>
+                <a:latin typeface="Bebas Neue"/>
+                <a:ea typeface="Bebas Neue"/>
+                <a:cs typeface="Bebas Neue"/>
+                <a:sym typeface="Bebas Neue"/>
+              </a:defRPr>
+            </a:lvl8pPr>
+            <a:lvl9pPr marL="4114800" marR="0" lvl="8" indent="-317500" algn="ctr" rtl="0">
+              <a:lnSpc>
+                <a:spcPct val="100000"/>
+              </a:lnSpc>
+              <a:spcBef>
+                <a:spcPts val="0"/>
+              </a:spcBef>
+              <a:spcAft>
+                <a:spcPts val="0"/>
+              </a:spcAft>
+              <a:buClr>
+                <a:schemeClr val="dk1"/>
+              </a:buClr>
+              <a:buSzPts val="2400"/>
+              <a:buFont typeface="Bebas Neue"/>
+              <a:buNone/>
+              <a:defRPr sz="2400" b="0" i="0" u="none" strike="noStrike" cap="none">
+                <a:solidFill>
+                  <a:schemeClr val="dk1"/>
+                </a:solidFill>
+                <a:latin typeface="Bebas Neue"/>
+                <a:ea typeface="Bebas Neue"/>
+                <a:cs typeface="Bebas Neue"/>
+                <a:sym typeface="Bebas Neue"/>
+              </a:defRPr>
+            </a:lvl9pPr>
+          </a:lstStyle>
+          <a:p>
+            <a:pPr marL="0" indent="0"/>
+            <a:r>
+              <a:rPr lang="en-US" b="1" dirty="0">
+                <a:solidFill>
+                  <a:schemeClr val="accent2">
+                    <a:lumMod val="75000"/>
+                  </a:schemeClr>
+                </a:solidFill>
+              </a:rPr>
+              <a:t>Tính </a:t>
+            </a:r>
+            <a:r>
+              <a:rPr lang="en-US" b="1" dirty="0" err="1">
+                <a:solidFill>
+                  <a:schemeClr val="accent2">
+                    <a:lumMod val="75000"/>
+                  </a:schemeClr>
+                </a:solidFill>
+              </a:rPr>
+              <a:t>đóng</a:t>
+            </a:r>
+            <a:r>
+              <a:rPr lang="en-US" b="1" dirty="0">
+                <a:solidFill>
+                  <a:schemeClr val="accent2">
+                    <a:lumMod val="75000"/>
+                  </a:schemeClr>
+                </a:solidFill>
+              </a:rPr>
+              <a:t> </a:t>
+            </a:r>
+            <a:r>
+              <a:rPr lang="en-US" b="1" dirty="0" err="1">
+                <a:solidFill>
+                  <a:schemeClr val="accent2">
+                    <a:lumMod val="75000"/>
+                  </a:schemeClr>
+                </a:solidFill>
+              </a:rPr>
+              <a:t>gói</a:t>
+            </a:r>
+            <a:endParaRPr lang="en-US" b="1" dirty="0">
+              <a:solidFill>
+                <a:schemeClr val="accent2">
+                  <a:lumMod val="75000"/>
+                </a:schemeClr>
+              </a:solidFill>
+            </a:endParaRPr>
+          </a:p>
+        </p:txBody>
+      </p:sp>
+      <p:sp>
+        <p:nvSpPr>
+          <p:cNvPr id="3" name="Google Shape;499;p38">
+            <a:extLst>
+              <a:ext uri="{FF2B5EF4-FFF2-40B4-BE49-F238E27FC236}">
+                <a16:creationId xmlns:a16="http://schemas.microsoft.com/office/drawing/2014/main" id="{4FCE994E-C9DA-7EFE-B3A9-C884038B3E68}"/>
+              </a:ext>
+            </a:extLst>
+          </p:cNvPr>
+          <p:cNvSpPr txBox="1">
+            <a:spLocks/>
+          </p:cNvSpPr>
+          <p:nvPr/>
+        </p:nvSpPr>
+        <p:spPr>
+          <a:xfrm>
+            <a:off x="4813147" y="1821147"/>
+            <a:ext cx="4045041" cy="1247635"/>
+          </a:xfrm>
+          <a:prstGeom prst="rect">
+            <a:avLst/>
+          </a:prstGeom>
+          <a:noFill/>
+          <a:ln>
+            <a:noFill/>
+          </a:ln>
+        </p:spPr>
+        <p:txBody>
+          <a:bodyPr spcFirstLastPara="1" wrap="square" lIns="91425" tIns="91425" rIns="91425" bIns="91425" anchor="t" anchorCtr="0">
+            <a:noAutofit/>
+          </a:bodyPr>
+          <a:lstStyle>
+            <a:defPPr marR="0" lvl="0" algn="l" rtl="0">
+              <a:lnSpc>
+                <a:spcPct val="100000"/>
+              </a:lnSpc>
+              <a:spcBef>
+                <a:spcPts val="0"/>
+              </a:spcBef>
+              <a:spcAft>
+                <a:spcPts val="0"/>
+              </a:spcAft>
+            </a:defPPr>
+            <a:lvl1pPr marL="457200" marR="0" lvl="0" indent="-317500" algn="l" rtl="0">
+              <a:lnSpc>
+                <a:spcPct val="115000"/>
+              </a:lnSpc>
+              <a:spcBef>
+                <a:spcPts val="0"/>
+              </a:spcBef>
+              <a:spcAft>
+                <a:spcPts val="0"/>
+              </a:spcAft>
+              <a:buClr>
+                <a:schemeClr val="dk1"/>
+              </a:buClr>
+              <a:buSzPts val="1400"/>
+              <a:buFont typeface="Source Code Pro"/>
+              <a:buNone/>
+              <a:defRPr sz="1400" b="0" i="0" u="none" strike="noStrike" cap="none">
+                <a:solidFill>
+                  <a:schemeClr val="dk1"/>
+                </a:solidFill>
+                <a:latin typeface="Source Code Pro"/>
+                <a:ea typeface="Source Code Pro"/>
+                <a:cs typeface="Source Code Pro"/>
+                <a:sym typeface="Source Code Pro"/>
+              </a:defRPr>
+            </a:lvl1pPr>
+            <a:lvl2pPr marL="914400" marR="0" lvl="1" indent="-317500" algn="ctr" rtl="0">
+              <a:lnSpc>
+                <a:spcPct val="100000"/>
+              </a:lnSpc>
+              <a:spcBef>
+                <a:spcPts val="0"/>
+              </a:spcBef>
+              <a:spcAft>
+                <a:spcPts val="0"/>
+              </a:spcAft>
+              <a:buClr>
+                <a:schemeClr val="dk1"/>
+              </a:buClr>
+              <a:buSzPts val="1400"/>
+              <a:buFont typeface="Source Code Pro"/>
+              <a:buNone/>
+              <a:defRPr sz="1400" b="0" i="0" u="none" strike="noStrike" cap="none">
+                <a:solidFill>
+                  <a:schemeClr val="dk1"/>
+                </a:solidFill>
+                <a:latin typeface="Source Code Pro"/>
+                <a:ea typeface="Source Code Pro"/>
+                <a:cs typeface="Source Code Pro"/>
+                <a:sym typeface="Source Code Pro"/>
+              </a:defRPr>
+            </a:lvl2pPr>
+            <a:lvl3pPr marL="1371600" marR="0" lvl="2" indent="-317500" algn="ctr" rtl="0">
+              <a:lnSpc>
+                <a:spcPct val="100000"/>
+              </a:lnSpc>
+              <a:spcBef>
+                <a:spcPts val="0"/>
+              </a:spcBef>
+              <a:spcAft>
+                <a:spcPts val="0"/>
+              </a:spcAft>
+              <a:buClr>
+                <a:schemeClr val="dk1"/>
+              </a:buClr>
+              <a:buSzPts val="1400"/>
+              <a:buFont typeface="Source Code Pro"/>
+              <a:buNone/>
+              <a:defRPr sz="1400" b="0" i="0" u="none" strike="noStrike" cap="none">
+                <a:solidFill>
+                  <a:schemeClr val="dk1"/>
+                </a:solidFill>
+                <a:latin typeface="Source Code Pro"/>
+                <a:ea typeface="Source Code Pro"/>
+                <a:cs typeface="Source Code Pro"/>
+                <a:sym typeface="Source Code Pro"/>
+              </a:defRPr>
+            </a:lvl3pPr>
+            <a:lvl4pPr marL="1828800" marR="0" lvl="3" indent="-317500" algn="ctr" rtl="0">
+              <a:lnSpc>
+                <a:spcPct val="100000"/>
+              </a:lnSpc>
+              <a:spcBef>
+                <a:spcPts val="0"/>
+              </a:spcBef>
+              <a:spcAft>
+                <a:spcPts val="0"/>
+              </a:spcAft>
+              <a:buClr>
+                <a:schemeClr val="dk1"/>
+              </a:buClr>
+              <a:buSzPts val="1400"/>
+              <a:buFont typeface="Source Code Pro"/>
+              <a:buNone/>
+              <a:defRPr sz="1400" b="0" i="0" u="none" strike="noStrike" cap="none">
+                <a:solidFill>
+                  <a:schemeClr val="dk1"/>
+                </a:solidFill>
+                <a:latin typeface="Source Code Pro"/>
+                <a:ea typeface="Source Code Pro"/>
+                <a:cs typeface="Source Code Pro"/>
+                <a:sym typeface="Source Code Pro"/>
+              </a:defRPr>
+            </a:lvl4pPr>
+            <a:lvl5pPr marL="2286000" marR="0" lvl="4" indent="-317500" algn="ctr" rtl="0">
+              <a:lnSpc>
+                <a:spcPct val="100000"/>
+              </a:lnSpc>
+              <a:spcBef>
+                <a:spcPts val="0"/>
+              </a:spcBef>
+              <a:spcAft>
+                <a:spcPts val="0"/>
+              </a:spcAft>
+              <a:buClr>
+                <a:schemeClr val="dk1"/>
+              </a:buClr>
+              <a:buSzPts val="1400"/>
+              <a:buFont typeface="Source Code Pro"/>
+              <a:buNone/>
+              <a:defRPr sz="1400" b="0" i="0" u="none" strike="noStrike" cap="none">
+                <a:solidFill>
+                  <a:schemeClr val="dk1"/>
+                </a:solidFill>
+                <a:latin typeface="Source Code Pro"/>
+                <a:ea typeface="Source Code Pro"/>
+                <a:cs typeface="Source Code Pro"/>
+                <a:sym typeface="Source Code Pro"/>
+              </a:defRPr>
+            </a:lvl5pPr>
+            <a:lvl6pPr marL="2743200" marR="0" lvl="5" indent="-317500" algn="ctr" rtl="0">
+              <a:lnSpc>
+                <a:spcPct val="100000"/>
+              </a:lnSpc>
+              <a:spcBef>
+                <a:spcPts val="0"/>
+              </a:spcBef>
+              <a:spcAft>
+                <a:spcPts val="0"/>
+              </a:spcAft>
+              <a:buClr>
+                <a:schemeClr val="dk1"/>
+              </a:buClr>
+              <a:buSzPts val="1400"/>
+              <a:buFont typeface="Source Code Pro"/>
+              <a:buNone/>
+              <a:defRPr sz="1400" b="0" i="0" u="none" strike="noStrike" cap="none">
+                <a:solidFill>
+                  <a:schemeClr val="dk1"/>
+                </a:solidFill>
+                <a:latin typeface="Source Code Pro"/>
+                <a:ea typeface="Source Code Pro"/>
+                <a:cs typeface="Source Code Pro"/>
+                <a:sym typeface="Source Code Pro"/>
+              </a:defRPr>
+            </a:lvl6pPr>
+            <a:lvl7pPr marL="3200400" marR="0" lvl="6" indent="-317500" algn="ctr" rtl="0">
+              <a:lnSpc>
+                <a:spcPct val="100000"/>
+              </a:lnSpc>
+              <a:spcBef>
+                <a:spcPts val="0"/>
+              </a:spcBef>
+              <a:spcAft>
+                <a:spcPts val="0"/>
+              </a:spcAft>
+              <a:buClr>
+                <a:schemeClr val="dk1"/>
+              </a:buClr>
+              <a:buSzPts val="1400"/>
+              <a:buFont typeface="Source Code Pro"/>
+              <a:buNone/>
+              <a:defRPr sz="1400" b="0" i="0" u="none" strike="noStrike" cap="none">
+                <a:solidFill>
+                  <a:schemeClr val="dk1"/>
+                </a:solidFill>
+                <a:latin typeface="Source Code Pro"/>
+                <a:ea typeface="Source Code Pro"/>
+                <a:cs typeface="Source Code Pro"/>
+                <a:sym typeface="Source Code Pro"/>
+              </a:defRPr>
+            </a:lvl7pPr>
+            <a:lvl8pPr marL="3657600" marR="0" lvl="7" indent="-317500" algn="ctr" rtl="0">
+              <a:lnSpc>
+                <a:spcPct val="100000"/>
+              </a:lnSpc>
+              <a:spcBef>
+                <a:spcPts val="0"/>
+              </a:spcBef>
+              <a:spcAft>
+                <a:spcPts val="0"/>
+              </a:spcAft>
+              <a:buClr>
+                <a:schemeClr val="dk1"/>
+              </a:buClr>
+              <a:buSzPts val="1400"/>
+              <a:buFont typeface="Source Code Pro"/>
+              <a:buNone/>
+              <a:defRPr sz="1400" b="0" i="0" u="none" strike="noStrike" cap="none">
+                <a:solidFill>
+                  <a:schemeClr val="dk1"/>
+                </a:solidFill>
+                <a:latin typeface="Source Code Pro"/>
+                <a:ea typeface="Source Code Pro"/>
+                <a:cs typeface="Source Code Pro"/>
+                <a:sym typeface="Source Code Pro"/>
+              </a:defRPr>
+            </a:lvl8pPr>
+            <a:lvl9pPr marL="4114800" marR="0" lvl="8" indent="-317500" algn="ctr" rtl="0">
+              <a:lnSpc>
+                <a:spcPct val="100000"/>
+              </a:lnSpc>
+              <a:spcBef>
+                <a:spcPts val="0"/>
+              </a:spcBef>
+              <a:spcAft>
+                <a:spcPts val="0"/>
+              </a:spcAft>
+              <a:buClr>
+                <a:schemeClr val="dk1"/>
+              </a:buClr>
+              <a:buSzPts val="1400"/>
+              <a:buFont typeface="Source Code Pro"/>
+              <a:buNone/>
+              <a:defRPr sz="1400" b="0" i="0" u="none" strike="noStrike" cap="none">
+                <a:solidFill>
+                  <a:schemeClr val="dk1"/>
+                </a:solidFill>
+                <a:latin typeface="Source Code Pro"/>
+                <a:ea typeface="Source Code Pro"/>
+                <a:cs typeface="Source Code Pro"/>
+                <a:sym typeface="Source Code Pro"/>
+              </a:defRPr>
+            </a:lvl9pPr>
+          </a:lstStyle>
+          <a:p>
+            <a:pPr marL="342900" indent="-342900">
+              <a:buFont typeface="Arial" panose="020B0604020202020204" pitchFamily="34" charset="0"/>
+              <a:buChar char="•"/>
+            </a:pPr>
+            <a:r>
+              <a:rPr lang="en-US" dirty="0" err="1">
+                <a:latin typeface="Source Code Pro" panose="020B0509030403020204" pitchFamily="49" charset="0"/>
+                <a:ea typeface="Source Code Pro" panose="020B0509030403020204" pitchFamily="49" charset="0"/>
+                <a:cs typeface="Times New Roman" panose="02020603050405020304" pitchFamily="18" charset="0"/>
+              </a:rPr>
+              <a:t>Các</a:t>
+            </a:r>
+            <a:r>
+              <a:rPr lang="en-US" dirty="0">
+                <a:latin typeface="Source Code Pro" panose="020B0509030403020204" pitchFamily="49" charset="0"/>
+                <a:ea typeface="Source Code Pro" panose="020B0509030403020204" pitchFamily="49" charset="0"/>
+                <a:cs typeface="Times New Roman" panose="02020603050405020304" pitchFamily="18" charset="0"/>
+              </a:rPr>
+              <a:t> thuộc tính của </a:t>
+            </a:r>
+            <a:r>
+              <a:rPr lang="en-US" dirty="0" err="1">
+                <a:latin typeface="Source Code Pro" panose="020B0509030403020204" pitchFamily="49" charset="0"/>
+                <a:ea typeface="Source Code Pro" panose="020B0509030403020204" pitchFamily="49" charset="0"/>
+                <a:cs typeface="Times New Roman" panose="02020603050405020304" pitchFamily="18" charset="0"/>
+              </a:rPr>
+              <a:t>các</a:t>
+            </a:r>
+            <a:r>
+              <a:rPr lang="en-US" dirty="0">
+                <a:latin typeface="Source Code Pro" panose="020B0509030403020204" pitchFamily="49" charset="0"/>
+                <a:ea typeface="Source Code Pro" panose="020B0509030403020204" pitchFamily="49" charset="0"/>
+                <a:cs typeface="Times New Roman" panose="02020603050405020304" pitchFamily="18" charset="0"/>
+              </a:rPr>
+              <a:t> </a:t>
+            </a:r>
+            <a:r>
+              <a:rPr lang="en-US" dirty="0" err="1">
+                <a:latin typeface="Source Code Pro" panose="020B0509030403020204" pitchFamily="49" charset="0"/>
+                <a:ea typeface="Source Code Pro" panose="020B0509030403020204" pitchFamily="49" charset="0"/>
+                <a:cs typeface="Times New Roman" panose="02020603050405020304" pitchFamily="18" charset="0"/>
+              </a:rPr>
+              <a:t>lớp</a:t>
+            </a:r>
+            <a:r>
+              <a:rPr lang="en-US" dirty="0">
+                <a:latin typeface="Source Code Pro" panose="020B0509030403020204" pitchFamily="49" charset="0"/>
+                <a:ea typeface="Source Code Pro" panose="020B0509030403020204" pitchFamily="49" charset="0"/>
+                <a:cs typeface="Times New Roman" panose="02020603050405020304" pitchFamily="18" charset="0"/>
+              </a:rPr>
+              <a:t> đều được để ở </a:t>
+            </a:r>
+            <a:r>
+              <a:rPr lang="en-US" dirty="0" err="1">
+                <a:latin typeface="Source Code Pro" panose="020B0509030403020204" pitchFamily="49" charset="0"/>
+                <a:ea typeface="Source Code Pro" panose="020B0509030403020204" pitchFamily="49" charset="0"/>
+                <a:cs typeface="Times New Roman" panose="02020603050405020304" pitchFamily="18" charset="0"/>
+              </a:rPr>
+              <a:t>mức</a:t>
+            </a:r>
+            <a:r>
+              <a:rPr lang="en-US" dirty="0">
+                <a:latin typeface="Source Code Pro" panose="020B0509030403020204" pitchFamily="49" charset="0"/>
+                <a:ea typeface="Source Code Pro" panose="020B0509030403020204" pitchFamily="49" charset="0"/>
+                <a:cs typeface="Times New Roman" panose="02020603050405020304" pitchFamily="18" charset="0"/>
+              </a:rPr>
+              <a:t> private </a:t>
+            </a:r>
+            <a:r>
+              <a:rPr lang="en-US" dirty="0" err="1">
+                <a:latin typeface="Source Code Pro" panose="020B0509030403020204" pitchFamily="49" charset="0"/>
+                <a:ea typeface="Source Code Pro" panose="020B0509030403020204" pitchFamily="49" charset="0"/>
+                <a:cs typeface="Times New Roman" panose="02020603050405020304" pitchFamily="18" charset="0"/>
+              </a:rPr>
+              <a:t>và</a:t>
+            </a:r>
+            <a:r>
+              <a:rPr lang="en-US" dirty="0">
+                <a:latin typeface="Source Code Pro" panose="020B0509030403020204" pitchFamily="49" charset="0"/>
+                <a:ea typeface="Source Code Pro" panose="020B0509030403020204" pitchFamily="49" charset="0"/>
+                <a:cs typeface="Times New Roman" panose="02020603050405020304" pitchFamily="18" charset="0"/>
+              </a:rPr>
+              <a:t> </a:t>
+            </a:r>
+            <a:r>
+              <a:rPr lang="en-US" dirty="0" err="1">
+                <a:latin typeface="Source Code Pro" panose="020B0509030403020204" pitchFamily="49" charset="0"/>
+                <a:ea typeface="Source Code Pro" panose="020B0509030403020204" pitchFamily="49" charset="0"/>
+                <a:cs typeface="Times New Roman" panose="02020603050405020304" pitchFamily="18" charset="0"/>
+              </a:rPr>
+              <a:t>sử</a:t>
+            </a:r>
+            <a:r>
+              <a:rPr lang="en-US" dirty="0">
+                <a:latin typeface="Source Code Pro" panose="020B0509030403020204" pitchFamily="49" charset="0"/>
+                <a:ea typeface="Source Code Pro" panose="020B0509030403020204" pitchFamily="49" charset="0"/>
+                <a:cs typeface="Times New Roman" panose="02020603050405020304" pitchFamily="18" charset="0"/>
+              </a:rPr>
+              <a:t> </a:t>
+            </a:r>
+            <a:r>
+              <a:rPr lang="en-US" dirty="0" err="1">
+                <a:latin typeface="Source Code Pro" panose="020B0509030403020204" pitchFamily="49" charset="0"/>
+                <a:ea typeface="Source Code Pro" panose="020B0509030403020204" pitchFamily="49" charset="0"/>
+                <a:cs typeface="Times New Roman" panose="02020603050405020304" pitchFamily="18" charset="0"/>
+              </a:rPr>
+              <a:t>dụng</a:t>
+            </a:r>
+            <a:r>
+              <a:rPr lang="en-US" dirty="0">
+                <a:latin typeface="Source Code Pro" panose="020B0509030403020204" pitchFamily="49" charset="0"/>
+                <a:ea typeface="Source Code Pro" panose="020B0509030403020204" pitchFamily="49" charset="0"/>
+                <a:cs typeface="Times New Roman" panose="02020603050405020304" pitchFamily="18" charset="0"/>
+              </a:rPr>
+              <a:t> getter </a:t>
+            </a:r>
+            <a:r>
+              <a:rPr lang="en-US" dirty="0" err="1">
+                <a:latin typeface="Source Code Pro" panose="020B0509030403020204" pitchFamily="49" charset="0"/>
+                <a:ea typeface="Source Code Pro" panose="020B0509030403020204" pitchFamily="49" charset="0"/>
+                <a:cs typeface="Times New Roman" panose="02020603050405020304" pitchFamily="18" charset="0"/>
+              </a:rPr>
+              <a:t>và</a:t>
+            </a:r>
+            <a:r>
+              <a:rPr lang="en-US" dirty="0">
+                <a:latin typeface="Source Code Pro" panose="020B0509030403020204" pitchFamily="49" charset="0"/>
+                <a:ea typeface="Source Code Pro" panose="020B0509030403020204" pitchFamily="49" charset="0"/>
+                <a:cs typeface="Times New Roman" panose="02020603050405020304" pitchFamily="18" charset="0"/>
+              </a:rPr>
+              <a:t> setter để lấy </a:t>
+            </a:r>
+            <a:r>
+              <a:rPr lang="en-US" dirty="0" err="1">
+                <a:latin typeface="Source Code Pro" panose="020B0509030403020204" pitchFamily="49" charset="0"/>
+                <a:ea typeface="Source Code Pro" panose="020B0509030403020204" pitchFamily="49" charset="0"/>
+                <a:cs typeface="Times New Roman" panose="02020603050405020304" pitchFamily="18" charset="0"/>
+              </a:rPr>
+              <a:t>và</a:t>
+            </a:r>
+            <a:r>
+              <a:rPr lang="en-US" dirty="0">
+                <a:latin typeface="Source Code Pro" panose="020B0509030403020204" pitchFamily="49" charset="0"/>
+                <a:ea typeface="Source Code Pro" panose="020B0509030403020204" pitchFamily="49" charset="0"/>
+                <a:cs typeface="Times New Roman" panose="02020603050405020304" pitchFamily="18" charset="0"/>
+              </a:rPr>
+              <a:t> </a:t>
+            </a:r>
+            <a:r>
+              <a:rPr lang="en-US" dirty="0" err="1">
+                <a:latin typeface="Source Code Pro" panose="020B0509030403020204" pitchFamily="49" charset="0"/>
+                <a:ea typeface="Source Code Pro" panose="020B0509030403020204" pitchFamily="49" charset="0"/>
+                <a:cs typeface="Times New Roman" panose="02020603050405020304" pitchFamily="18" charset="0"/>
+              </a:rPr>
+              <a:t>thay</a:t>
+            </a:r>
+            <a:r>
+              <a:rPr lang="en-US" dirty="0">
+                <a:latin typeface="Source Code Pro" panose="020B0509030403020204" pitchFamily="49" charset="0"/>
+                <a:ea typeface="Source Code Pro" panose="020B0509030403020204" pitchFamily="49" charset="0"/>
+                <a:cs typeface="Times New Roman" panose="02020603050405020304" pitchFamily="18" charset="0"/>
+              </a:rPr>
+              <a:t> đổi </a:t>
+            </a:r>
+            <a:r>
+              <a:rPr lang="en-US" dirty="0" err="1">
+                <a:latin typeface="Source Code Pro" panose="020B0509030403020204" pitchFamily="49" charset="0"/>
+                <a:ea typeface="Source Code Pro" panose="020B0509030403020204" pitchFamily="49" charset="0"/>
+                <a:cs typeface="Times New Roman" panose="02020603050405020304" pitchFamily="18" charset="0"/>
+              </a:rPr>
+              <a:t>dữ</a:t>
+            </a:r>
+            <a:r>
+              <a:rPr lang="en-US" dirty="0">
+                <a:latin typeface="Source Code Pro" panose="020B0509030403020204" pitchFamily="49" charset="0"/>
+                <a:ea typeface="Source Code Pro" panose="020B0509030403020204" pitchFamily="49" charset="0"/>
+                <a:cs typeface="Times New Roman" panose="02020603050405020304" pitchFamily="18" charset="0"/>
+              </a:rPr>
+              <a:t> liệu</a:t>
+            </a:r>
+            <a:endParaRPr lang="vi-VN" dirty="0"/>
+          </a:p>
+        </p:txBody>
+      </p:sp>
+    </p:spTree>
+    <p:extLst>
+      <p:ext uri="{BB962C8B-B14F-4D97-AF65-F5344CB8AC3E}">
+        <p14:creationId xmlns:p14="http://schemas.microsoft.com/office/powerpoint/2010/main" val="4133320211"/>
+      </p:ext>
+    </p:extLst>
+  </p:cSld>
+  <p:clrMapOvr>
+    <a:masterClrMapping/>
+  </p:clrMapOvr>
+</p:sld>
+</file>
+
+<file path=ppt/slides/slide11.xml><?xml version="1.0" encoding="utf-8"?>
+<p:sld xmlns:a="http://schemas.openxmlformats.org/drawingml/2006/main" xmlns:r="http://schemas.openxmlformats.org/officeDocument/2006/relationships" xmlns:p="http://schemas.openxmlformats.org/presentationml/2006/main">
+  <p:cSld>
+    <p:spTree>
+      <p:nvGrpSpPr>
+        <p:cNvPr id="1" name="Shape 496"/>
+        <p:cNvGrpSpPr/>
+        <p:nvPr/>
+      </p:nvGrpSpPr>
+      <p:grpSpPr>
+        <a:xfrm>
+          <a:off x="0" y="0"/>
+          <a:ext cx="0" cy="0"/>
+          <a:chOff x="0" y="0"/>
+          <a:chExt cx="0" cy="0"/>
+        </a:xfrm>
+      </p:grpSpPr>
       <p:sp>
         <p:nvSpPr>
           <p:cNvPr id="499" name="Google Shape;499;p38"/>
@@ -12142,7 +14077,7 @@
 </p:sld>
 </file>
 
-<file path=ppt/slides/slide11.xml><?xml version="1.0" encoding="utf-8"?>
+<file path=ppt/slides/slide12.xml><?xml version="1.0" encoding="utf-8"?>
 <p:sld xmlns:a="http://schemas.openxmlformats.org/drawingml/2006/main" xmlns:r="http://schemas.openxmlformats.org/officeDocument/2006/relationships" xmlns:p="http://schemas.openxmlformats.org/presentationml/2006/main">
   <p:cSld>
     <p:spTree>
@@ -14453,7 +16388,7 @@
 </p:sld>
 </file>
 
-<file path=ppt/slides/slide12.xml><?xml version="1.0" encoding="utf-8"?>
+<file path=ppt/slides/slide13.xml><?xml version="1.0" encoding="utf-8"?>
 <p:sld xmlns:a="http://schemas.openxmlformats.org/drawingml/2006/main" xmlns:r="http://schemas.openxmlformats.org/officeDocument/2006/relationships" xmlns:p="http://schemas.openxmlformats.org/presentationml/2006/main">
   <p:cSld>
     <p:spTree>

--- a/presentation/Presentation-OOP-Team26.pptx
+++ b/presentation/Presentation-OOP-Team26.pptx
@@ -12825,14 +12825,14 @@
                 <a:latin typeface="Source Code Pro" panose="020B0509030403020204" pitchFamily="49" charset="0"/>
                 <a:ea typeface="Source Code Pro" panose="020B0509030403020204" pitchFamily="49" charset="0"/>
               </a:rPr>
-              <a:t>, </a:t>
+              <a:t> </a:t>
             </a:r>
             <a:r>
               <a:rPr lang="en-US" dirty="0" err="1">
                 <a:latin typeface="Source Code Pro" panose="020B0509030403020204" pitchFamily="49" charset="0"/>
                 <a:ea typeface="Source Code Pro" panose="020B0509030403020204" pitchFamily="49" charset="0"/>
               </a:rPr>
-              <a:t>DataEntryController</a:t>
+              <a:t>có</a:t>
             </a:r>
             <a:r>
               <a:rPr lang="en-US" dirty="0">
@@ -12846,7 +12846,7 @@
                 <a:latin typeface="Source Code Pro" panose="020B0509030403020204" pitchFamily="49" charset="0"/>
                 <a:ea typeface="Source Code Pro" panose="020B0509030403020204" pitchFamily="49" charset="0"/>
               </a:rPr>
-              <a:t>có</a:t>
+              <a:t>sử</a:t>
             </a:r>
             <a:r>
               <a:rPr lang="en-US" dirty="0">
@@ -12860,7 +12860,7 @@
                 <a:latin typeface="Source Code Pro" panose="020B0509030403020204" pitchFamily="49" charset="0"/>
                 <a:ea typeface="Source Code Pro" panose="020B0509030403020204" pitchFamily="49" charset="0"/>
               </a:rPr>
-              <a:t>sử</a:t>
+              <a:t>dụng</a:t>
             </a:r>
             <a:r>
               <a:rPr lang="en-US" dirty="0">
@@ -12874,7 +12874,7 @@
                 <a:latin typeface="Source Code Pro" panose="020B0509030403020204" pitchFamily="49" charset="0"/>
                 <a:ea typeface="Source Code Pro" panose="020B0509030403020204" pitchFamily="49" charset="0"/>
               </a:rPr>
-              <a:t>dụng</a:t>
+              <a:t>các</a:t>
             </a:r>
             <a:r>
               <a:rPr lang="en-US" dirty="0">
@@ -12888,7 +12888,7 @@
                 <a:latin typeface="Source Code Pro" panose="020B0509030403020204" pitchFamily="49" charset="0"/>
                 <a:ea typeface="Source Code Pro" panose="020B0509030403020204" pitchFamily="49" charset="0"/>
               </a:rPr>
-              <a:t>các</a:t>
+              <a:t>lớp</a:t>
             </a:r>
             <a:r>
               <a:rPr lang="en-US" dirty="0">
@@ -12902,7 +12902,35 @@
                 <a:latin typeface="Source Code Pro" panose="020B0509030403020204" pitchFamily="49" charset="0"/>
                 <a:ea typeface="Source Code Pro" panose="020B0509030403020204" pitchFamily="49" charset="0"/>
               </a:rPr>
-              <a:t>lớp</a:t>
+              <a:t>MergeSort</a:t>
+            </a:r>
+            <a:r>
+              <a:rPr lang="en-US" dirty="0">
+                <a:latin typeface="Source Code Pro" panose="020B0509030403020204" pitchFamily="49" charset="0"/>
+                <a:ea typeface="Source Code Pro" panose="020B0509030403020204" pitchFamily="49" charset="0"/>
+              </a:rPr>
+              <a:t>, </a:t>
+            </a:r>
+            <a:r>
+              <a:rPr lang="en-US" dirty="0" err="1">
+                <a:latin typeface="Source Code Pro" panose="020B0509030403020204" pitchFamily="49" charset="0"/>
+                <a:ea typeface="Source Code Pro" panose="020B0509030403020204" pitchFamily="49" charset="0"/>
+              </a:rPr>
+              <a:t>RadixSort</a:t>
+            </a:r>
+            <a:r>
+              <a:rPr lang="en-US" dirty="0">
+                <a:latin typeface="Source Code Pro" panose="020B0509030403020204" pitchFamily="49" charset="0"/>
+                <a:ea typeface="Source Code Pro" panose="020B0509030403020204" pitchFamily="49" charset="0"/>
+              </a:rPr>
+              <a:t>, </a:t>
+            </a:r>
+            <a:r>
+              <a:rPr lang="en-US" dirty="0" err="1">
+                <a:latin typeface="Source Code Pro" panose="020B0509030403020204" pitchFamily="49" charset="0"/>
+                <a:ea typeface="Source Code Pro" panose="020B0509030403020204" pitchFamily="49" charset="0"/>
+              </a:rPr>
+              <a:t>CountingSort</a:t>
             </a:r>
             <a:r>
               <a:rPr lang="en-US" dirty="0">
@@ -12916,35 +12944,21 @@
                 <a:latin typeface="Source Code Pro" panose="020B0509030403020204" pitchFamily="49" charset="0"/>
                 <a:ea typeface="Source Code Pro" panose="020B0509030403020204" pitchFamily="49" charset="0"/>
               </a:rPr>
-              <a:t>MergeSort</a:t>
+              <a:t>và</a:t>
             </a:r>
             <a:r>
               <a:rPr lang="en-US" dirty="0">
                 <a:latin typeface="Source Code Pro" panose="020B0509030403020204" pitchFamily="49" charset="0"/>
                 <a:ea typeface="Source Code Pro" panose="020B0509030403020204" pitchFamily="49" charset="0"/>
               </a:rPr>
-              <a:t>, </a:t>
+              <a:t> </a:t>
             </a:r>
             <a:r>
               <a:rPr lang="en-US" dirty="0" err="1">
                 <a:latin typeface="Source Code Pro" panose="020B0509030403020204" pitchFamily="49" charset="0"/>
                 <a:ea typeface="Source Code Pro" panose="020B0509030403020204" pitchFamily="49" charset="0"/>
               </a:rPr>
-              <a:t>RadixSort</a:t>
-            </a:r>
-            <a:r>
-              <a:rPr lang="en-US" dirty="0">
-                <a:latin typeface="Source Code Pro" panose="020B0509030403020204" pitchFamily="49" charset="0"/>
-                <a:ea typeface="Source Code Pro" panose="020B0509030403020204" pitchFamily="49" charset="0"/>
-              </a:rPr>
-              <a:t>, </a:t>
-            </a:r>
-            <a:r>
-              <a:rPr lang="en-US" dirty="0" err="1">
-                <a:latin typeface="Source Code Pro" panose="020B0509030403020204" pitchFamily="49" charset="0"/>
-                <a:ea typeface="Source Code Pro" panose="020B0509030403020204" pitchFamily="49" charset="0"/>
-              </a:rPr>
-              <a:t>CountingSort</a:t>
+              <a:t>SortingAlgorithm</a:t>
             </a:r>
             <a:r>
               <a:rPr lang="en-US" dirty="0">
@@ -22798,8 +22812,8 @@
         </p:blipFill>
         <p:spPr>
           <a:xfrm>
-            <a:off x="1" y="1143126"/>
-            <a:ext cx="9192490" cy="4000374"/>
+            <a:off x="0" y="1143126"/>
+            <a:ext cx="9143982" cy="4000374"/>
           </a:xfrm>
           <a:prstGeom prst="rect">
             <a:avLst/>
@@ -24824,8 +24838,8 @@
         </p:blipFill>
         <p:spPr>
           <a:xfrm>
-            <a:off x="0" y="1080655"/>
-            <a:ext cx="9143981" cy="4062845"/>
+            <a:off x="0" y="1204388"/>
+            <a:ext cx="9143981" cy="3939111"/>
           </a:xfrm>
           <a:prstGeom prst="rect">
             <a:avLst/>
